--- a/정리.pptx
+++ b/정리.pptx
@@ -508,7 +508,7 @@
           <a:p>
             <a:fld id="{A5FBD778-2023-459D-855F-4AAEF816E872}" type="datetimeFigureOut">
               <a:rPr lang="ko-KR" altLang="en-US" smtClean="0"/>
-              <a:t>2022-11-16</a:t>
+              <a:t>2022-11-17</a:t>
             </a:fld>
             <a:endParaRPr lang="ko-KR" altLang="en-US"/>
           </a:p>
@@ -1020,7 +1020,7 @@
           <a:p>
             <a:fld id="{F3DD8505-58BA-4610-9F7C-467C68D27D77}" type="datetimeFigureOut">
               <a:rPr lang="ko-KR" altLang="en-US" smtClean="0"/>
-              <a:t>2022-11-16</a:t>
+              <a:t>2022-11-17</a:t>
             </a:fld>
             <a:endParaRPr lang="ko-KR" altLang="en-US"/>
           </a:p>
@@ -1258,7 +1258,7 @@
           <a:p>
             <a:fld id="{F3DD8505-58BA-4610-9F7C-467C68D27D77}" type="datetimeFigureOut">
               <a:rPr lang="ko-KR" altLang="en-US" smtClean="0"/>
-              <a:t>2022-11-16</a:t>
+              <a:t>2022-11-17</a:t>
             </a:fld>
             <a:endParaRPr lang="ko-KR" altLang="en-US"/>
           </a:p>
@@ -1496,7 +1496,7 @@
           <a:p>
             <a:fld id="{F3DD8505-58BA-4610-9F7C-467C68D27D77}" type="datetimeFigureOut">
               <a:rPr lang="ko-KR" altLang="en-US" smtClean="0"/>
-              <a:t>2022-11-16</a:t>
+              <a:t>2022-11-17</a:t>
             </a:fld>
             <a:endParaRPr lang="ko-KR" altLang="en-US"/>
           </a:p>
@@ -1734,7 +1734,7 @@
           <a:p>
             <a:fld id="{F3DD8505-58BA-4610-9F7C-467C68D27D77}" type="datetimeFigureOut">
               <a:rPr lang="ko-KR" altLang="en-US" smtClean="0"/>
-              <a:t>2022-11-16</a:t>
+              <a:t>2022-11-17</a:t>
             </a:fld>
             <a:endParaRPr lang="ko-KR" altLang="en-US"/>
           </a:p>
@@ -2039,7 +2039,7 @@
           <a:p>
             <a:fld id="{F3DD8505-58BA-4610-9F7C-467C68D27D77}" type="datetimeFigureOut">
               <a:rPr lang="ko-KR" altLang="en-US" smtClean="0"/>
-              <a:t>2022-11-16</a:t>
+              <a:t>2022-11-17</a:t>
             </a:fld>
             <a:endParaRPr lang="ko-KR" altLang="en-US"/>
           </a:p>
@@ -2342,7 +2342,7 @@
           <a:p>
             <a:fld id="{F3DD8505-58BA-4610-9F7C-467C68D27D77}" type="datetimeFigureOut">
               <a:rPr lang="ko-KR" altLang="en-US" smtClean="0"/>
-              <a:t>2022-11-16</a:t>
+              <a:t>2022-11-17</a:t>
             </a:fld>
             <a:endParaRPr lang="ko-KR" altLang="en-US"/>
           </a:p>
@@ -2793,7 +2793,7 @@
           <a:p>
             <a:fld id="{F3DD8505-58BA-4610-9F7C-467C68D27D77}" type="datetimeFigureOut">
               <a:rPr lang="ko-KR" altLang="en-US" smtClean="0"/>
-              <a:t>2022-11-16</a:t>
+              <a:t>2022-11-17</a:t>
             </a:fld>
             <a:endParaRPr lang="ko-KR" altLang="en-US"/>
           </a:p>
@@ -2966,7 +2966,7 @@
           <a:p>
             <a:fld id="{F3DD8505-58BA-4610-9F7C-467C68D27D77}" type="datetimeFigureOut">
               <a:rPr lang="ko-KR" altLang="en-US" smtClean="0"/>
-              <a:t>2022-11-16</a:t>
+              <a:t>2022-11-17</a:t>
             </a:fld>
             <a:endParaRPr lang="ko-KR" altLang="en-US"/>
           </a:p>
@@ -3103,7 +3103,7 @@
           <a:p>
             <a:fld id="{F3DD8505-58BA-4610-9F7C-467C68D27D77}" type="datetimeFigureOut">
               <a:rPr lang="ko-KR" altLang="en-US" smtClean="0"/>
-              <a:t>2022-11-16</a:t>
+              <a:t>2022-11-17</a:t>
             </a:fld>
             <a:endParaRPr lang="ko-KR" altLang="en-US"/>
           </a:p>
@@ -3447,7 +3447,7 @@
           <a:p>
             <a:fld id="{F3DD8505-58BA-4610-9F7C-467C68D27D77}" type="datetimeFigureOut">
               <a:rPr lang="ko-KR" altLang="en-US" smtClean="0"/>
-              <a:t>2022-11-16</a:t>
+              <a:t>2022-11-17</a:t>
             </a:fld>
             <a:endParaRPr lang="ko-KR" altLang="en-US"/>
           </a:p>
@@ -3768,7 +3768,7 @@
           <a:p>
             <a:fld id="{F3DD8505-58BA-4610-9F7C-467C68D27D77}" type="datetimeFigureOut">
               <a:rPr lang="ko-KR" altLang="en-US" smtClean="0"/>
-              <a:t>2022-11-16</a:t>
+              <a:t>2022-11-17</a:t>
             </a:fld>
             <a:endParaRPr lang="ko-KR" altLang="en-US"/>
           </a:p>
@@ -4828,10 +4828,28 @@
               <a:t> </a:t>
             </a:r>
             <a:r>
+              <a:rPr lang="ko-KR" altLang="en-US" u="sng" dirty="0">
+                <a:sym typeface="Wingdings" panose="05000000000000000000" pitchFamily="2" charset="2"/>
+              </a:rPr>
+              <a:t>반복문</a:t>
+            </a:r>
+            <a:r>
               <a:rPr lang="ko-KR" altLang="en-US" dirty="0">
                 <a:sym typeface="Wingdings" panose="05000000000000000000" pitchFamily="2" charset="2"/>
               </a:rPr>
-              <a:t>반복문과 정규표현식의 조합</a:t>
+              <a:t>과 </a:t>
+            </a:r>
+            <a:r>
+              <a:rPr lang="ko-KR" altLang="en-US" u="sng" dirty="0">
+                <a:sym typeface="Wingdings" panose="05000000000000000000" pitchFamily="2" charset="2"/>
+              </a:rPr>
+              <a:t>정규표현식</a:t>
+            </a:r>
+            <a:r>
+              <a:rPr lang="ko-KR" altLang="en-US" dirty="0">
+                <a:sym typeface="Wingdings" panose="05000000000000000000" pitchFamily="2" charset="2"/>
+              </a:rPr>
+              <a:t>의 조합</a:t>
             </a:r>
             <a:r>
               <a:rPr lang="en-US" altLang="ko-KR" dirty="0">
@@ -5585,7 +5603,7 @@
         <p:spPr>
           <a:xfrm>
             <a:off x="416378" y="1536107"/>
-            <a:ext cx="9650411" cy="369332"/>
+            <a:ext cx="10628611" cy="369332"/>
           </a:xfrm>
           <a:prstGeom prst="rect">
             <a:avLst/>
@@ -5616,7 +5634,7 @@
             </a:r>
             <a:r>
               <a:rPr lang="en-US" altLang="ko-KR" dirty="0"/>
-              <a:t>– the, a, an </a:t>
+              <a:t>– the, a(an), is(are) </a:t>
             </a:r>
             <a:r>
               <a:rPr lang="ko-KR" altLang="en-US" dirty="0"/>
@@ -13909,11 +13927,11 @@
                   <a:srgbClr val="0070C0"/>
                 </a:solidFill>
               </a:rPr>
-              <a:t>1.  2.  1)  2)  A.  B.</a:t>
+              <a:t>1.  2.  1)  2) </a:t>
             </a:r>
             <a:r>
               <a:rPr lang="en-US" altLang="ko-KR" sz="1600" dirty="0"/>
-              <a:t> ).</a:t>
+              <a:t>).</a:t>
             </a:r>
           </a:p>
           <a:p>
@@ -15341,6 +15359,111 @@
               <a:t>.</a:t>
             </a:r>
             <a:endParaRPr lang="ko-KR" altLang="en-US" dirty="0"/>
+          </a:p>
+        </p:txBody>
+      </p:sp>
+      <p:sp>
+        <p:nvSpPr>
+          <p:cNvPr id="2" name="TextBox 1">
+            <a:extLst>
+              <a:ext uri="{FF2B5EF4-FFF2-40B4-BE49-F238E27FC236}">
+                <a16:creationId xmlns:a16="http://schemas.microsoft.com/office/drawing/2014/main" id="{3CEFA938-3249-DFB0-1509-04A7EE998B2A}"/>
+              </a:ext>
+            </a:extLst>
+          </p:cNvPr>
+          <p:cNvSpPr txBox="1"/>
+          <p:nvPr/>
+        </p:nvSpPr>
+        <p:spPr>
+          <a:xfrm>
+            <a:off x="6234215" y="5118625"/>
+            <a:ext cx="869532" cy="369332"/>
+          </a:xfrm>
+          <a:prstGeom prst="rect">
+            <a:avLst/>
+          </a:prstGeom>
+          <a:noFill/>
+        </p:spPr>
+        <p:txBody>
+          <a:bodyPr wrap="square">
+            <a:spAutoFit/>
+          </a:bodyPr>
+          <a:lstStyle/>
+          <a:p>
+            <a:r>
+              <a:rPr lang="en-US" altLang="ko-KR" b="1" dirty="0"/>
+              <a:t>1550</a:t>
+            </a:r>
+          </a:p>
+        </p:txBody>
+      </p:sp>
+      <p:sp>
+        <p:nvSpPr>
+          <p:cNvPr id="3" name="TextBox 2">
+            <a:extLst>
+              <a:ext uri="{FF2B5EF4-FFF2-40B4-BE49-F238E27FC236}">
+                <a16:creationId xmlns:a16="http://schemas.microsoft.com/office/drawing/2014/main" id="{AA853F9E-9D46-E2F8-F7B5-7EADB77D6799}"/>
+              </a:ext>
+            </a:extLst>
+          </p:cNvPr>
+          <p:cNvSpPr txBox="1"/>
+          <p:nvPr/>
+        </p:nvSpPr>
+        <p:spPr>
+          <a:xfrm>
+            <a:off x="5407804" y="5139030"/>
+            <a:ext cx="869532" cy="369332"/>
+          </a:xfrm>
+          <a:prstGeom prst="rect">
+            <a:avLst/>
+          </a:prstGeom>
+          <a:noFill/>
+        </p:spPr>
+        <p:txBody>
+          <a:bodyPr wrap="square">
+            <a:spAutoFit/>
+          </a:bodyPr>
+          <a:lstStyle/>
+          <a:p>
+            <a:r>
+              <a:rPr lang="en-US" altLang="ko-KR" b="1" dirty="0"/>
+              <a:t>2153</a:t>
+            </a:r>
+          </a:p>
+        </p:txBody>
+      </p:sp>
+      <p:sp>
+        <p:nvSpPr>
+          <p:cNvPr id="7" name="TextBox 6">
+            <a:extLst>
+              <a:ext uri="{FF2B5EF4-FFF2-40B4-BE49-F238E27FC236}">
+                <a16:creationId xmlns:a16="http://schemas.microsoft.com/office/drawing/2014/main" id="{1CFE60AF-2AAF-B595-F1CB-1C22A07794EC}"/>
+              </a:ext>
+            </a:extLst>
+          </p:cNvPr>
+          <p:cNvSpPr txBox="1"/>
+          <p:nvPr/>
+        </p:nvSpPr>
+        <p:spPr>
+          <a:xfrm>
+            <a:off x="6998655" y="5139030"/>
+            <a:ext cx="869532" cy="369332"/>
+          </a:xfrm>
+          <a:prstGeom prst="rect">
+            <a:avLst/>
+          </a:prstGeom>
+          <a:noFill/>
+        </p:spPr>
+        <p:txBody>
+          <a:bodyPr wrap="square">
+            <a:spAutoFit/>
+          </a:bodyPr>
+          <a:lstStyle/>
+          <a:p>
+            <a:r>
+              <a:rPr lang="en-US" altLang="ko-KR" b="1" dirty="0"/>
+              <a:t>6620</a:t>
+            </a:r>
           </a:p>
         </p:txBody>
       </p:sp>
@@ -16933,7 +17056,7 @@
           <a:lstStyle/>
           <a:p>
             <a:r>
-              <a:rPr lang="en-US" altLang="ko-KR" dirty="0"/>
+              <a:rPr lang="en-US" altLang="ko-KR" b="1" dirty="0"/>
               <a:t>1550</a:t>
             </a:r>
           </a:p>
@@ -17268,8 +17391,8 @@
         </p:nvSpPr>
         <p:spPr>
           <a:xfrm>
-            <a:off x="6353219" y="3925932"/>
-            <a:ext cx="1139758" cy="369332"/>
+            <a:off x="6096000" y="4038437"/>
+            <a:ext cx="1603665" cy="369332"/>
           </a:xfrm>
           <a:prstGeom prst="rect">
             <a:avLst/>
@@ -17284,7 +17407,7 @@
           <a:p>
             <a:r>
               <a:rPr lang="ko-KR" altLang="en-US" b="1" dirty="0"/>
-              <a:t>입력 값</a:t>
+              <a:t>가중치 처리</a:t>
             </a:r>
             <a:endParaRPr lang="en-US" altLang="ko-KR" b="1" dirty="0"/>
           </a:p>
@@ -17382,7 +17505,7 @@
               <a:t>과정에서 정수 </a:t>
             </a:r>
             <a:r>
-              <a:rPr lang="en-US" altLang="ko-KR" dirty="0"/>
+              <a:rPr lang="en-US" altLang="ko-KR" b="1" dirty="0"/>
               <a:t>1550</a:t>
             </a:r>
             <a:r>
@@ -18870,8 +18993,12 @@
               <a:t> </a:t>
             </a:r>
             <a:r>
+              <a:rPr lang="en-US" altLang="ko-KR" b="1" dirty="0"/>
+              <a:t>{Index : value} </a:t>
+            </a:r>
+            <a:r>
               <a:rPr lang="en-US" altLang="ko-KR" dirty="0"/>
-              <a:t>Index : value (</a:t>
+              <a:t>(</a:t>
             </a:r>
             <a:r>
               <a:rPr lang="en-US" altLang="ko-KR" dirty="0" err="1"/>
@@ -18921,8 +19048,20 @@
               <a:t>  </a:t>
             </a:r>
             <a:r>
+              <a:rPr lang="en-US" altLang="ko-KR" b="1" dirty="0"/>
+              <a:t>Row,</a:t>
+            </a:r>
+            <a:r>
               <a:rPr lang="en-US" altLang="ko-KR" dirty="0"/>
-              <a:t>Column </a:t>
+              <a:t> </a:t>
+            </a:r>
+            <a:r>
+              <a:rPr lang="en-US" altLang="ko-KR" b="1" dirty="0"/>
+              <a:t>Column</a:t>
+            </a:r>
+            <a:r>
+              <a:rPr lang="en-US" altLang="ko-KR" dirty="0"/>
+              <a:t> </a:t>
             </a:r>
             <a:r>
               <a:rPr lang="ko-KR" altLang="en-US" dirty="0"/>
@@ -19240,7 +19379,7 @@
             </a:r>
             <a:r>
               <a:rPr lang="en-US" altLang="ko-KR" sz="2000" dirty="0" err="1"/>
-              <a:t>AcuteInrarction</a:t>
+              <a:t>AcuteInfarction</a:t>
             </a:r>
             <a:r>
               <a:rPr lang="en-US" altLang="ko-KR" sz="2000" dirty="0"/>

--- a/정리.pptx
+++ b/정리.pptx
@@ -191,6 +191,64 @@
     </inkml:brush>
   </inkml:definitions>
   <inkml:trace contextRef="#ctx0" brushRef="#br0">0 51,'1'-1,"-1"0,0 0,1 0,-1 0,1 0,0 1,-1-1,1 0,0 0,-1 0,1 0,0 1,0-1,0 0,0 1,0-1,0 1,0-1,0 1,0-1,0 1,0-1,0 1,0 0,0 0,0 0,2 0,35-5,-34 5,145-19,-92 13,0 2,88 6,-36 1,27-6,148 6,-255 1,55 16,-61-14,0 0,1-2,-1 0,26 0,46-6,90 3,-116 11,-48-8,-1-1,33 2,63-6,-96 1</inkml:trace>
+</inkml:ink>
+</file>
+
+<file path=ppt/ink/ink11.xml><?xml version="1.0" encoding="utf-8"?>
+<inkml:ink xmlns:inkml="http://www.w3.org/2003/InkML">
+  <inkml:definitions>
+    <inkml:context xml:id="ctx0">
+      <inkml:inkSource xml:id="inkSrc0">
+        <inkml:traceFormat>
+          <inkml:channel name="X" type="integer" min="-2.14748E9" max="2.14748E9" units="cm"/>
+          <inkml:channel name="Y" type="integer" min="-2.14748E9" max="2.14748E9" units="cm"/>
+        </inkml:traceFormat>
+        <inkml:channelProperties>
+          <inkml:channelProperty channel="X" name="resolution" value="1000" units="1/cm"/>
+          <inkml:channelProperty channel="Y" name="resolution" value="1000" units="1/cm"/>
+        </inkml:channelProperties>
+      </inkml:inkSource>
+      <inkml:timestamp xml:id="ts0" timeString="2022-11-18T01:14:19.364"/>
+    </inkml:context>
+    <inkml:brush xml:id="br0">
+      <inkml:brushProperty name="width" value="0.3" units="cm"/>
+      <inkml:brushProperty name="height" value="0.6" units="cm"/>
+      <inkml:brushProperty name="color" value="#FFFC00"/>
+      <inkml:brushProperty name="tip" value="rectangle"/>
+      <inkml:brushProperty name="rasterOp" value="maskPen"/>
+      <inkml:brushProperty name="ignorePressure" value="1"/>
+    </inkml:brush>
+  </inkml:definitions>
+  <inkml:trace contextRef="#ctx0" brushRef="#br0">1 19,'402'0,"-390"-1,0 0,1-1,-1-1,13-4,-24 7,14-4</inkml:trace>
+</inkml:ink>
+</file>
+
+<file path=ppt/ink/ink12.xml><?xml version="1.0" encoding="utf-8"?>
+<inkml:ink xmlns:inkml="http://www.w3.org/2003/InkML">
+  <inkml:definitions>
+    <inkml:context xml:id="ctx0">
+      <inkml:inkSource xml:id="inkSrc0">
+        <inkml:traceFormat>
+          <inkml:channel name="X" type="integer" min="-2.14748E9" max="2.14748E9" units="cm"/>
+          <inkml:channel name="Y" type="integer" min="-2.14748E9" max="2.14748E9" units="cm"/>
+        </inkml:traceFormat>
+        <inkml:channelProperties>
+          <inkml:channelProperty channel="X" name="resolution" value="1000" units="1/cm"/>
+          <inkml:channelProperty channel="Y" name="resolution" value="1000" units="1/cm"/>
+        </inkml:channelProperties>
+      </inkml:inkSource>
+      <inkml:timestamp xml:id="ts0" timeString="2022-11-18T01:14:24.913"/>
+    </inkml:context>
+    <inkml:brush xml:id="br0">
+      <inkml:brushProperty name="width" value="0.3" units="cm"/>
+      <inkml:brushProperty name="height" value="0.6" units="cm"/>
+      <inkml:brushProperty name="color" value="#FFFC00"/>
+      <inkml:brushProperty name="tip" value="rectangle"/>
+      <inkml:brushProperty name="rasterOp" value="maskPen"/>
+      <inkml:brushProperty name="ignorePressure" value="1"/>
+    </inkml:brush>
+  </inkml:definitions>
+  <inkml:trace contextRef="#ctx0" brushRef="#br0">1 2,'79'-1,"88"3,-101 9,-46-7,-1-1,31 2,106-6,-136 1</inkml:trace>
 </inkml:ink>
 </file>
 
@@ -508,7 +566,7 @@
           <a:p>
             <a:fld id="{A5FBD778-2023-459D-855F-4AAEF816E872}" type="datetimeFigureOut">
               <a:rPr lang="ko-KR" altLang="en-US" smtClean="0"/>
-              <a:t>2022-11-17</a:t>
+              <a:t>2022-11-18</a:t>
             </a:fld>
             <a:endParaRPr lang="ko-KR" altLang="en-US"/>
           </a:p>
@@ -1020,7 +1078,7 @@
           <a:p>
             <a:fld id="{F3DD8505-58BA-4610-9F7C-467C68D27D77}" type="datetimeFigureOut">
               <a:rPr lang="ko-KR" altLang="en-US" smtClean="0"/>
-              <a:t>2022-11-17</a:t>
+              <a:t>2022-11-18</a:t>
             </a:fld>
             <a:endParaRPr lang="ko-KR" altLang="en-US"/>
           </a:p>
@@ -1258,7 +1316,7 @@
           <a:p>
             <a:fld id="{F3DD8505-58BA-4610-9F7C-467C68D27D77}" type="datetimeFigureOut">
               <a:rPr lang="ko-KR" altLang="en-US" smtClean="0"/>
-              <a:t>2022-11-17</a:t>
+              <a:t>2022-11-18</a:t>
             </a:fld>
             <a:endParaRPr lang="ko-KR" altLang="en-US"/>
           </a:p>
@@ -1496,7 +1554,7 @@
           <a:p>
             <a:fld id="{F3DD8505-58BA-4610-9F7C-467C68D27D77}" type="datetimeFigureOut">
               <a:rPr lang="ko-KR" altLang="en-US" smtClean="0"/>
-              <a:t>2022-11-17</a:t>
+              <a:t>2022-11-18</a:t>
             </a:fld>
             <a:endParaRPr lang="ko-KR" altLang="en-US"/>
           </a:p>
@@ -1734,7 +1792,7 @@
           <a:p>
             <a:fld id="{F3DD8505-58BA-4610-9F7C-467C68D27D77}" type="datetimeFigureOut">
               <a:rPr lang="ko-KR" altLang="en-US" smtClean="0"/>
-              <a:t>2022-11-17</a:t>
+              <a:t>2022-11-18</a:t>
             </a:fld>
             <a:endParaRPr lang="ko-KR" altLang="en-US"/>
           </a:p>
@@ -2039,7 +2097,7 @@
           <a:p>
             <a:fld id="{F3DD8505-58BA-4610-9F7C-467C68D27D77}" type="datetimeFigureOut">
               <a:rPr lang="ko-KR" altLang="en-US" smtClean="0"/>
-              <a:t>2022-11-17</a:t>
+              <a:t>2022-11-18</a:t>
             </a:fld>
             <a:endParaRPr lang="ko-KR" altLang="en-US"/>
           </a:p>
@@ -2342,7 +2400,7 @@
           <a:p>
             <a:fld id="{F3DD8505-58BA-4610-9F7C-467C68D27D77}" type="datetimeFigureOut">
               <a:rPr lang="ko-KR" altLang="en-US" smtClean="0"/>
-              <a:t>2022-11-17</a:t>
+              <a:t>2022-11-18</a:t>
             </a:fld>
             <a:endParaRPr lang="ko-KR" altLang="en-US"/>
           </a:p>
@@ -2793,7 +2851,7 @@
           <a:p>
             <a:fld id="{F3DD8505-58BA-4610-9F7C-467C68D27D77}" type="datetimeFigureOut">
               <a:rPr lang="ko-KR" altLang="en-US" smtClean="0"/>
-              <a:t>2022-11-17</a:t>
+              <a:t>2022-11-18</a:t>
             </a:fld>
             <a:endParaRPr lang="ko-KR" altLang="en-US"/>
           </a:p>
@@ -2966,7 +3024,7 @@
           <a:p>
             <a:fld id="{F3DD8505-58BA-4610-9F7C-467C68D27D77}" type="datetimeFigureOut">
               <a:rPr lang="ko-KR" altLang="en-US" smtClean="0"/>
-              <a:t>2022-11-17</a:t>
+              <a:t>2022-11-18</a:t>
             </a:fld>
             <a:endParaRPr lang="ko-KR" altLang="en-US"/>
           </a:p>
@@ -3103,7 +3161,7 @@
           <a:p>
             <a:fld id="{F3DD8505-58BA-4610-9F7C-467C68D27D77}" type="datetimeFigureOut">
               <a:rPr lang="ko-KR" altLang="en-US" smtClean="0"/>
-              <a:t>2022-11-17</a:t>
+              <a:t>2022-11-18</a:t>
             </a:fld>
             <a:endParaRPr lang="ko-KR" altLang="en-US"/>
           </a:p>
@@ -3447,7 +3505,7 @@
           <a:p>
             <a:fld id="{F3DD8505-58BA-4610-9F7C-467C68D27D77}" type="datetimeFigureOut">
               <a:rPr lang="ko-KR" altLang="en-US" smtClean="0"/>
-              <a:t>2022-11-17</a:t>
+              <a:t>2022-11-18</a:t>
             </a:fld>
             <a:endParaRPr lang="ko-KR" altLang="en-US"/>
           </a:p>
@@ -3768,7 +3826,7 @@
           <a:p>
             <a:fld id="{F3DD8505-58BA-4610-9F7C-467C68D27D77}" type="datetimeFigureOut">
               <a:rPr lang="ko-KR" altLang="en-US" smtClean="0"/>
-              <a:t>2022-11-17</a:t>
+              <a:t>2022-11-18</a:t>
             </a:fld>
             <a:endParaRPr lang="ko-KR" altLang="en-US"/>
           </a:p>
@@ -5424,11 +5482,11 @@
             </a:r>
             <a:r>
               <a:rPr lang="en-US" altLang="ko-KR" sz="1600" dirty="0"/>
-              <a:t>” 1</a:t>
+              <a:t>” </a:t>
             </a:r>
             <a:r>
               <a:rPr lang="ko-KR" altLang="en-US" sz="1600" dirty="0"/>
-              <a:t>개의 문장 데이터로 변환</a:t>
+              <a:t>문장 데이터로 변환</a:t>
             </a:r>
             <a:r>
               <a:rPr lang="en-US" altLang="ko-KR" sz="1600" dirty="0"/>
@@ -7043,6 +7101,108 @@
           </a:p>
         </p:txBody>
       </p:sp>
+      <mc:AlternateContent xmlns:mc="http://schemas.openxmlformats.org/markup-compatibility/2006">
+        <mc:Choice xmlns:p14="http://schemas.microsoft.com/office/powerpoint/2010/main" Requires="p14">
+          <p:contentPart p14:bwMode="auto" r:id="rId4">
+            <p14:nvContentPartPr>
+              <p14:cNvPr id="2" name="잉크 1">
+                <a:extLst>
+                  <a:ext uri="{FF2B5EF4-FFF2-40B4-BE49-F238E27FC236}">
+                    <a16:creationId xmlns:a16="http://schemas.microsoft.com/office/drawing/2014/main" id="{354DB4EF-3C9C-A867-DE93-41F6F469F978}"/>
+                  </a:ext>
+                </a:extLst>
+              </p14:cNvPr>
+              <p14:cNvContentPartPr/>
+              <p14:nvPr/>
+            </p14:nvContentPartPr>
+            <p14:xfrm>
+              <a:off x="8173042" y="3739042"/>
+              <a:ext cx="177840" cy="6840"/>
+            </p14:xfrm>
+          </p:contentPart>
+        </mc:Choice>
+        <mc:Fallback>
+          <p:pic>
+            <p:nvPicPr>
+              <p:cNvPr id="2" name="잉크 1">
+                <a:extLst>
+                  <a:ext uri="{FF2B5EF4-FFF2-40B4-BE49-F238E27FC236}">
+                    <a16:creationId xmlns:a16="http://schemas.microsoft.com/office/drawing/2014/main" id="{354DB4EF-3C9C-A867-DE93-41F6F469F978}"/>
+                  </a:ext>
+                </a:extLst>
+              </p:cNvPr>
+              <p:cNvPicPr/>
+              <p:nvPr/>
+            </p:nvPicPr>
+            <p:blipFill>
+              <a:blip r:embed="rId5"/>
+              <a:stretch>
+                <a:fillRect/>
+              </a:stretch>
+            </p:blipFill>
+            <p:spPr>
+              <a:xfrm>
+                <a:off x="8119402" y="3631402"/>
+                <a:ext cx="285480" cy="222480"/>
+              </a:xfrm>
+              <a:prstGeom prst="rect">
+                <a:avLst/>
+              </a:prstGeom>
+            </p:spPr>
+          </p:pic>
+        </mc:Fallback>
+      </mc:AlternateContent>
+      <mc:AlternateContent xmlns:mc="http://schemas.openxmlformats.org/markup-compatibility/2006">
+        <mc:Choice xmlns:p14="http://schemas.microsoft.com/office/powerpoint/2010/main" Requires="p14">
+          <p:contentPart p14:bwMode="auto" r:id="rId6">
+            <p14:nvContentPartPr>
+              <p14:cNvPr id="3" name="잉크 2">
+                <a:extLst>
+                  <a:ext uri="{FF2B5EF4-FFF2-40B4-BE49-F238E27FC236}">
+                    <a16:creationId xmlns:a16="http://schemas.microsoft.com/office/drawing/2014/main" id="{49C90E7C-3B41-132A-304B-7112265B6E9E}"/>
+                  </a:ext>
+                </a:extLst>
+              </p14:cNvPr>
+              <p14:cNvContentPartPr/>
+              <p14:nvPr/>
+            </p14:nvContentPartPr>
+            <p14:xfrm>
+              <a:off x="5774722" y="4266082"/>
+              <a:ext cx="208080" cy="9360"/>
+            </p14:xfrm>
+          </p:contentPart>
+        </mc:Choice>
+        <mc:Fallback>
+          <p:pic>
+            <p:nvPicPr>
+              <p:cNvPr id="3" name="잉크 2">
+                <a:extLst>
+                  <a:ext uri="{FF2B5EF4-FFF2-40B4-BE49-F238E27FC236}">
+                    <a16:creationId xmlns:a16="http://schemas.microsoft.com/office/drawing/2014/main" id="{49C90E7C-3B41-132A-304B-7112265B6E9E}"/>
+                  </a:ext>
+                </a:extLst>
+              </p:cNvPr>
+              <p:cNvPicPr/>
+              <p:nvPr/>
+            </p:nvPicPr>
+            <p:blipFill>
+              <a:blip r:embed="rId7"/>
+              <a:stretch>
+                <a:fillRect/>
+              </a:stretch>
+            </p:blipFill>
+            <p:spPr>
+              <a:xfrm>
+                <a:off x="5721082" y="4158442"/>
+                <a:ext cx="315720" cy="225000"/>
+              </a:xfrm>
+              <a:prstGeom prst="rect">
+                <a:avLst/>
+              </a:prstGeom>
+            </p:spPr>
+          </p:pic>
+        </mc:Fallback>
+      </mc:AlternateContent>
     </p:spTree>
     <p:extLst>
       <p:ext uri="{BB962C8B-B14F-4D97-AF65-F5344CB8AC3E}">
@@ -7146,8 +7306,8 @@
         </p:nvSpPr>
         <p:spPr>
           <a:xfrm>
-            <a:off x="416378" y="840452"/>
-            <a:ext cx="11277875" cy="1061829"/>
+            <a:off x="416379" y="840452"/>
+            <a:ext cx="7372064" cy="1061829"/>
           </a:xfrm>
           <a:prstGeom prst="rect">
             <a:avLst/>
@@ -7170,11 +7330,11 @@
             </a:r>
             <a:r>
               <a:rPr lang="ko-KR" altLang="en-US" b="1" dirty="0"/>
-              <a:t>검증에 사용할 </a:t>
+              <a:t>검증에 사용할 언어모델</a:t>
             </a:r>
             <a:r>
               <a:rPr lang="en-US" altLang="ko-KR" b="1" dirty="0"/>
-              <a:t>Library </a:t>
+              <a:t>, Library </a:t>
             </a:r>
           </a:p>
           <a:p>
@@ -7358,7 +7518,7 @@
         <p:spPr>
           <a:xfrm>
             <a:off x="2121333" y="5623870"/>
-            <a:ext cx="8209784" cy="369332"/>
+            <a:ext cx="7752583" cy="369332"/>
           </a:xfrm>
           <a:prstGeom prst="rect">
             <a:avLst/>
@@ -7426,7 +7586,7 @@
         <p:spPr>
           <a:xfrm>
             <a:off x="2121333" y="6107852"/>
-            <a:ext cx="8209784" cy="369332"/>
+            <a:ext cx="6525362" cy="369332"/>
           </a:xfrm>
           <a:prstGeom prst="rect">
             <a:avLst/>
@@ -7527,7 +7687,7 @@
                   <a:srgbClr val="002060"/>
                 </a:solidFill>
               </a:rPr>
-              <a:t>BERT (Bidirectional Encoding Representation from Transformers)</a:t>
+              <a:t>BERT (Bidirectional Encoding Representations from Transformers)</a:t>
             </a:r>
             <a:endParaRPr lang="ko-KR" altLang="en-US" b="1" dirty="0">
               <a:solidFill>
@@ -7551,8 +7711,8 @@
         </p:nvSpPr>
         <p:spPr>
           <a:xfrm>
-            <a:off x="2121332" y="2888857"/>
-            <a:ext cx="9545769" cy="369332"/>
+            <a:off x="2121333" y="2888857"/>
+            <a:ext cx="8514584" cy="369332"/>
           </a:xfrm>
           <a:prstGeom prst="rect">
             <a:avLst/>
@@ -7603,8 +7763,8 @@
         </p:nvSpPr>
         <p:spPr>
           <a:xfrm>
-            <a:off x="2121331" y="3343667"/>
-            <a:ext cx="9545769" cy="369332"/>
+            <a:off x="2121332" y="3343667"/>
+            <a:ext cx="8658964" cy="369332"/>
           </a:xfrm>
           <a:prstGeom prst="rect">
             <a:avLst/>
@@ -7664,7 +7824,7 @@
         <p:spPr>
           <a:xfrm>
             <a:off x="2121333" y="3798477"/>
-            <a:ext cx="8803342" cy="369332"/>
+            <a:ext cx="8306035" cy="369332"/>
           </a:xfrm>
           <a:prstGeom prst="rect">
             <a:avLst/>
